--- a/slides/ga_presentation_jmp.pptx
+++ b/slides/ga_presentation_jmp.pptx
@@ -4335,11 +4335,7 @@
           <a:p>
             <a:r>
               <a:rPr lang="en-US" sz="2800" dirty="0" smtClean="0"/>
-              <a:t>Project Goal: </a:t>
-            </a:r>
-            <a:r>
-              <a:rPr lang="en-US" sz="2800" dirty="0" smtClean="0"/>
-              <a:t>Develop Competitive Learning Technique for 2013 </a:t>
+              <a:t>Project Goal: Develop Competitive Learning Technique for 2013 </a:t>
             </a:r>
             <a:r>
               <a:rPr lang="en-US" sz="2800" dirty="0" err="1" smtClean="0"/>
@@ -4509,7 +4505,7 @@
           <a:p>
             <a:r>
               <a:rPr lang="en-US" sz="3200" dirty="0" smtClean="0"/>
-              <a:t>The data consists of fifteen </a:t>
+              <a:t>Data- 15 </a:t>
             </a:r>
             <a:r>
               <a:rPr lang="en-US" sz="3200" dirty="0" err="1" smtClean="0"/>
@@ -4517,64 +4513,9 @@
             </a:r>
             <a:r>
               <a:rPr lang="en-US" sz="3200" dirty="0" smtClean="0"/>
-              <a:t> input files and one CSV output file</a:t>
+              <a:t> input and one CSV output file</a:t>
             </a:r>
             <a:endParaRPr lang="en-US" sz="3200" dirty="0"/>
-          </a:p>
-        </p:txBody>
-      </p:sp>
-      <p:sp>
-        <p:nvSpPr>
-          <p:cNvPr id="5" name="TextBox 4"/>
-          <p:cNvSpPr txBox="1"/>
-          <p:nvPr/>
-        </p:nvSpPr>
-        <p:spPr>
-          <a:xfrm>
-            <a:off x="5095116" y="1491730"/>
-            <a:ext cx="3608342" cy="615553"/>
-          </a:xfrm>
-          <a:prstGeom prst="rect">
-            <a:avLst/>
-          </a:prstGeom>
-          <a:noFill/>
-          <a:ln>
-            <a:solidFill>
-              <a:srgbClr val="000000"/>
-            </a:solidFill>
-          </a:ln>
-        </p:spPr>
-        <p:txBody>
-          <a:bodyPr wrap="square" rtlCol="0">
-            <a:spAutoFit/>
-          </a:bodyPr>
-          <a:lstStyle/>
-          <a:p>
-            <a:r>
-              <a:rPr lang="en-US" sz="1700" dirty="0" smtClean="0"/>
-              <a:t>Daily solar energy (J/m</a:t>
-            </a:r>
-            <a:r>
-              <a:rPr lang="en-US" sz="1700" baseline="30000" dirty="0" smtClean="0"/>
-              <a:t>2</a:t>
-            </a:r>
-            <a:r>
-              <a:rPr lang="en-US" sz="1700" dirty="0" smtClean="0"/>
-              <a:t>) for the 98 </a:t>
-            </a:r>
-            <a:r>
-              <a:rPr lang="en-US" sz="1700" dirty="0" err="1"/>
-              <a:t>M</a:t>
-            </a:r>
-            <a:r>
-              <a:rPr lang="en-US" sz="1700" dirty="0" err="1" smtClean="0"/>
-              <a:t>esonet</a:t>
-            </a:r>
-            <a:r>
-              <a:rPr lang="en-US" sz="1700" dirty="0" smtClean="0"/>
-              <a:t> stations from 1994 - 2007 </a:t>
-            </a:r>
-            <a:endParaRPr lang="en-US" sz="1700" dirty="0"/>
           </a:p>
         </p:txBody>
       </p:sp>
@@ -4615,7 +4556,7 @@
         </p:nvSpPr>
         <p:spPr>
           <a:xfrm>
-            <a:off x="540287" y="2629738"/>
+            <a:off x="500612" y="3128730"/>
             <a:ext cx="4471742" cy="3477875"/>
           </a:xfrm>
           <a:prstGeom prst="rect">
@@ -4956,12 +4897,17 @@
         </p:blipFill>
         <p:spPr>
           <a:xfrm>
-            <a:off x="5095116" y="2171841"/>
+            <a:off x="5078458" y="3128730"/>
             <a:ext cx="3608342" cy="2647051"/>
           </a:xfrm>
           <a:prstGeom prst="rect">
             <a:avLst/>
           </a:prstGeom>
+          <a:ln>
+            <a:solidFill>
+              <a:schemeClr val="tx1"/>
+            </a:solidFill>
+          </a:ln>
         </p:spPr>
       </p:pic>
       <p:sp>
@@ -4972,17 +4918,15 @@
         </p:nvSpPr>
         <p:spPr>
           <a:xfrm>
-            <a:off x="540287" y="1486816"/>
-            <a:ext cx="4471742" cy="1138773"/>
+            <a:off x="500612" y="1060231"/>
+            <a:ext cx="8186188" cy="2308324"/>
           </a:xfrm>
           <a:prstGeom prst="rect">
             <a:avLst/>
           </a:prstGeom>
           <a:noFill/>
           <a:ln>
-            <a:solidFill>
-              <a:schemeClr val="tx1"/>
-            </a:solidFill>
+            <a:noFill/>
           </a:ln>
         </p:spPr>
         <p:txBody>
@@ -4996,9 +4940,14 @@
               <a:buChar char="•"/>
             </a:pPr>
             <a:r>
-              <a:rPr lang="en-US" sz="1700" dirty="0" smtClean="0"/>
-              <a:t>15 variables in 5-D arrays</a:t>
-            </a:r>
+              <a:rPr lang="en-US" dirty="0" smtClean="0"/>
+              <a:t>15 </a:t>
+            </a:r>
+            <a:r>
+              <a:rPr lang="en-US" dirty="0" smtClean="0"/>
+              <a:t>weather-related variables (including precipitation, cloud cover, downward/upward long-wave/short-wave solar flux, max/min/current temp, humidity, pressure)</a:t>
+            </a:r>
+            <a:endParaRPr lang="en-US" dirty="0" smtClean="0"/>
           </a:p>
           <a:p>
             <a:pPr marL="742950" lvl="1" indent="-285750">
@@ -5006,52 +4955,46 @@
               <a:buChar char="•"/>
             </a:pPr>
             <a:r>
-              <a:rPr lang="en-US" sz="1700" dirty="0" smtClean="0"/>
-              <a:t>date, model, time, latitude, and longitude</a:t>
-            </a:r>
+              <a:rPr lang="en-US" dirty="0" smtClean="0"/>
+              <a:t>At 144 locations, five times of the day, and eleven ensemble members (to account for measurement uncertainty of instruments)</a:t>
+            </a:r>
+          </a:p>
+          <a:p>
+            <a:pPr marL="285750" indent="-285750">
+              <a:buFont typeface="Arial"/>
+              <a:buChar char="•"/>
+            </a:pPr>
+            <a:r>
+              <a:rPr lang="en-US" dirty="0" smtClean="0"/>
+              <a:t>5113 daily solar energy measurements (J/m</a:t>
+            </a:r>
+            <a:r>
+              <a:rPr lang="en-US" baseline="30000" dirty="0" smtClean="0"/>
+              <a:t>2</a:t>
+            </a:r>
+            <a:r>
+              <a:rPr lang="en-US" dirty="0" smtClean="0"/>
+              <a:t>) from 1994-2007 at 98 </a:t>
+            </a:r>
+            <a:r>
+              <a:rPr lang="en-US" dirty="0" err="1" smtClean="0"/>
+              <a:t>Mesonet</a:t>
+            </a:r>
+            <a:r>
+              <a:rPr lang="en-US" dirty="0" smtClean="0"/>
+              <a:t> locations (~500k predictions)</a:t>
+            </a:r>
+            <a:endParaRPr lang="en-US" dirty="0" smtClean="0"/>
           </a:p>
           <a:p>
             <a:pPr marL="742950" lvl="1" indent="-285750">
               <a:buFont typeface="Arial"/>
               <a:buChar char="•"/>
             </a:pPr>
-            <a:r>
-              <a:rPr lang="en-US" sz="1700" dirty="0" smtClean="0"/>
-              <a:t>~40 M x 15 inputs to ~5100 x 98 outputs</a:t>
-            </a:r>
-            <a:endParaRPr lang="en-US" sz="1700" dirty="0"/>
-          </a:p>
-        </p:txBody>
-      </p:sp>
-      <p:pic>
-        <p:nvPicPr>
-          <p:cNvPr id="13" name="Picture 12" descr="station_table.jpg"/>
-          <p:cNvPicPr>
-            <a:picLocks noChangeAspect="1"/>
-          </p:cNvPicPr>
-          <p:nvPr/>
-        </p:nvPicPr>
-        <p:blipFill rotWithShape="1">
-          <a:blip r:embed="rId4">
-            <a:extLst>
-              <a:ext uri="{28A0092B-C50C-407E-A947-70E740481C1C}">
-                <a14:useLocalDpi xmlns:a14="http://schemas.microsoft.com/office/drawing/2010/main" val="0"/>
-              </a:ext>
-            </a:extLst>
-          </a:blip>
-          <a:srcRect l="1038" t="1153" r="75337" b="5899"/>
-          <a:stretch/>
-        </p:blipFill>
-        <p:spPr>
-          <a:xfrm>
-            <a:off x="5095116" y="4970182"/>
-            <a:ext cx="2160257" cy="1751293"/>
-          </a:xfrm>
-          <a:prstGeom prst="rect">
-            <a:avLst/>
-          </a:prstGeom>
-        </p:spPr>
-      </p:pic>
+            <a:endParaRPr lang="en-US" dirty="0" smtClean="0"/>
+          </a:p>
+        </p:txBody>
+      </p:sp>
     </p:spTree>
     <p:extLst>
       <p:ext uri="{BB962C8B-B14F-4D97-AF65-F5344CB8AC3E}">

--- a/slides/ga_presentation_jmp.pptx
+++ b/slides/ga_presentation_jmp.pptx
@@ -15,8 +15,8 @@
     <p:sldId id="257" r:id="rId3"/>
     <p:sldId id="258" r:id="rId4"/>
     <p:sldId id="259" r:id="rId5"/>
-    <p:sldId id="260" r:id="rId6"/>
-    <p:sldId id="261" r:id="rId7"/>
+    <p:sldId id="261" r:id="rId6"/>
+    <p:sldId id="260" r:id="rId7"/>
     <p:sldId id="262" r:id="rId8"/>
   </p:sldIdLst>
   <p:sldSz cx="9144000" cy="6858000" type="screen4x3"/>
@@ -923,6 +923,98 @@
     <p:extLst>
       <p:ext uri="{BB962C8B-B14F-4D97-AF65-F5344CB8AC3E}">
         <p14:creationId xmlns:p14="http://schemas.microsoft.com/office/powerpoint/2010/main" val="777656576"/>
+      </p:ext>
+    </p:extLst>
+  </p:cSld>
+  <p:clrMapOvr>
+    <a:masterClrMapping/>
+  </p:clrMapOvr>
+</p:notes>
+</file>
+
+<file path=ppt/notesSlides/notesSlide4.xml><?xml version="1.0" encoding="utf-8"?>
+<p:notes xmlns:a="http://schemas.openxmlformats.org/drawingml/2006/main" xmlns:r="http://schemas.openxmlformats.org/officeDocument/2006/relationships" xmlns:p="http://schemas.openxmlformats.org/presentationml/2006/main">
+  <p:cSld>
+    <p:spTree>
+      <p:nvGrpSpPr>
+        <p:cNvPr id="1" name=""/>
+        <p:cNvGrpSpPr/>
+        <p:nvPr/>
+      </p:nvGrpSpPr>
+      <p:grpSpPr>
+        <a:xfrm>
+          <a:off x="0" y="0"/>
+          <a:ext cx="0" cy="0"/>
+          <a:chOff x="0" y="0"/>
+          <a:chExt cx="0" cy="0"/>
+        </a:xfrm>
+      </p:grpSpPr>
+      <p:sp>
+        <p:nvSpPr>
+          <p:cNvPr id="2" name="Slide Image Placeholder 1"/>
+          <p:cNvSpPr>
+            <a:spLocks noGrp="1" noRot="1" noChangeAspect="1"/>
+          </p:cNvSpPr>
+          <p:nvPr>
+            <p:ph type="sldImg"/>
+          </p:nvPr>
+        </p:nvSpPr>
+        <p:spPr/>
+      </p:sp>
+      <p:sp>
+        <p:nvSpPr>
+          <p:cNvPr id="3" name="Notes Placeholder 2"/>
+          <p:cNvSpPr>
+            <a:spLocks noGrp="1"/>
+          </p:cNvSpPr>
+          <p:nvPr>
+            <p:ph type="body" idx="1"/>
+          </p:nvPr>
+        </p:nvSpPr>
+        <p:spPr/>
+        <p:txBody>
+          <a:bodyPr/>
+          <a:lstStyle/>
+          <a:p>
+            <a:r>
+              <a:rPr lang="en-US" dirty="0" smtClean="0"/>
+              <a:t>Correlation among</a:t>
+            </a:r>
+            <a:r>
+              <a:rPr lang="en-US" baseline="0" dirty="0" smtClean="0"/>
+              <a:t> solar flux, temperature, and pressure</a:t>
+            </a:r>
+            <a:endParaRPr lang="en-US" dirty="0"/>
+          </a:p>
+        </p:txBody>
+      </p:sp>
+      <p:sp>
+        <p:nvSpPr>
+          <p:cNvPr id="4" name="Slide Number Placeholder 3"/>
+          <p:cNvSpPr>
+            <a:spLocks noGrp="1"/>
+          </p:cNvSpPr>
+          <p:nvPr>
+            <p:ph type="sldNum" sz="quarter" idx="10"/>
+          </p:nvPr>
+        </p:nvSpPr>
+        <p:spPr/>
+        <p:txBody>
+          <a:bodyPr/>
+          <a:lstStyle/>
+          <a:p>
+            <a:fld id="{132019CD-38B1-034A-8443-CE37BCF58A59}" type="slidenum">
+              <a:rPr lang="en-US" smtClean="0"/>
+              <a:t>6</a:t>
+            </a:fld>
+            <a:endParaRPr lang="en-US"/>
+          </a:p>
+        </p:txBody>
+      </p:sp>
+    </p:spTree>
+    <p:extLst>
+      <p:ext uri="{BB962C8B-B14F-4D97-AF65-F5344CB8AC3E}">
+        <p14:creationId xmlns:p14="http://schemas.microsoft.com/office/powerpoint/2010/main" val="2762878767"/>
       </p:ext>
     </p:extLst>
   </p:cSld>
@@ -5042,35 +5134,31 @@
             <p:ph type="title"/>
           </p:nvPr>
         </p:nvSpPr>
-        <p:spPr/>
-        <p:txBody>
-          <a:bodyPr/>
-          <a:lstStyle/>
-          <a:p>
-            <a:r>
-              <a:rPr lang="en-US" dirty="0" smtClean="0"/>
-              <a:t>Exploration and Cleaning</a:t>
-            </a:r>
-            <a:endParaRPr lang="en-US" dirty="0"/>
-          </a:p>
-        </p:txBody>
-      </p:sp>
-      <p:sp>
-        <p:nvSpPr>
-          <p:cNvPr id="3" name="Content Placeholder 2"/>
-          <p:cNvSpPr>
-            <a:spLocks noGrp="1"/>
-          </p:cNvSpPr>
-          <p:nvPr>
-            <p:ph idx="1"/>
-          </p:nvPr>
-        </p:nvSpPr>
-        <p:spPr/>
-        <p:txBody>
-          <a:bodyPr/>
-          <a:lstStyle/>
-          <a:p>
-            <a:endParaRPr lang="en-US" dirty="0"/>
+        <p:spPr>
+          <a:xfrm>
+            <a:off x="457200" y="274638"/>
+            <a:ext cx="8229600" cy="608929"/>
+          </a:xfrm>
+        </p:spPr>
+        <p:txBody>
+          <a:bodyPr>
+            <a:normAutofit fontScale="90000"/>
+          </a:bodyPr>
+          <a:lstStyle/>
+          <a:p>
+            <a:r>
+              <a:rPr lang="en-US" sz="3600" dirty="0" smtClean="0"/>
+              <a:t>Total Solar Energy (J/m</a:t>
+            </a:r>
+            <a:r>
+              <a:rPr lang="en-US" sz="3600" baseline="30000" dirty="0" smtClean="0"/>
+              <a:t>2</a:t>
+            </a:r>
+            <a:r>
+              <a:rPr lang="en-US" sz="3600" dirty="0" smtClean="0"/>
+              <a:t>)</a:t>
+            </a:r>
+            <a:endParaRPr lang="en-US" sz="3600" dirty="0"/>
           </a:p>
         </p:txBody>
       </p:sp>
@@ -5098,10 +5186,68 @@
           </a:p>
         </p:txBody>
       </p:sp>
+      <p:pic>
+        <p:nvPicPr>
+          <p:cNvPr id="8" name="Picture 7" descr="total_time.png"/>
+          <p:cNvPicPr>
+            <a:picLocks noChangeAspect="1"/>
+          </p:cNvPicPr>
+          <p:nvPr/>
+        </p:nvPicPr>
+        <p:blipFill rotWithShape="1">
+          <a:blip r:embed="rId2">
+            <a:extLst>
+              <a:ext uri="{28A0092B-C50C-407E-A947-70E740481C1C}">
+                <a14:useLocalDpi xmlns:a14="http://schemas.microsoft.com/office/drawing/2010/main" val="0"/>
+              </a:ext>
+            </a:extLst>
+          </a:blip>
+          <a:srcRect l="7084" r="8727"/>
+          <a:stretch/>
+        </p:blipFill>
+        <p:spPr>
+          <a:xfrm>
+            <a:off x="265146" y="883567"/>
+            <a:ext cx="8575389" cy="2995845"/>
+          </a:xfrm>
+          <a:prstGeom prst="rect">
+            <a:avLst/>
+          </a:prstGeom>
+        </p:spPr>
+      </p:pic>
+      <p:pic>
+        <p:nvPicPr>
+          <p:cNvPr id="9" name="Picture 8" descr="one_year.png"/>
+          <p:cNvPicPr>
+            <a:picLocks noChangeAspect="1"/>
+          </p:cNvPicPr>
+          <p:nvPr/>
+        </p:nvPicPr>
+        <p:blipFill rotWithShape="1">
+          <a:blip r:embed="rId3">
+            <a:extLst>
+              <a:ext uri="{28A0092B-C50C-407E-A947-70E740481C1C}">
+                <a14:useLocalDpi xmlns:a14="http://schemas.microsoft.com/office/drawing/2010/main" val="0"/>
+              </a:ext>
+            </a:extLst>
+          </a:blip>
+          <a:srcRect l="8153" r="7605"/>
+          <a:stretch/>
+        </p:blipFill>
+        <p:spPr>
+          <a:xfrm>
+            <a:off x="457200" y="3879412"/>
+            <a:ext cx="8229600" cy="2689412"/>
+          </a:xfrm>
+          <a:prstGeom prst="rect">
+            <a:avLst/>
+          </a:prstGeom>
+        </p:spPr>
+      </p:pic>
     </p:spTree>
     <p:extLst>
       <p:ext uri="{BB962C8B-B14F-4D97-AF65-F5344CB8AC3E}">
-        <p14:creationId xmlns:p14="http://schemas.microsoft.com/office/powerpoint/2010/main" val="2097312338"/>
+        <p14:creationId xmlns:p14="http://schemas.microsoft.com/office/powerpoint/2010/main" val="2792489647"/>
       </p:ext>
     </p:extLst>
   </p:cSld>
@@ -5152,31 +5298,40 @@
           <a:p>
             <a:r>
               <a:rPr lang="en-US" dirty="0" smtClean="0"/>
-              <a:t>Insights</a:t>
+              <a:t>Exploration and Cleaning</a:t>
             </a:r>
             <a:endParaRPr lang="en-US" dirty="0"/>
           </a:p>
         </p:txBody>
       </p:sp>
-      <p:sp>
-        <p:nvSpPr>
-          <p:cNvPr id="3" name="Content Placeholder 2"/>
-          <p:cNvSpPr>
-            <a:spLocks noGrp="1"/>
-          </p:cNvSpPr>
+      <p:pic>
+        <p:nvPicPr>
+          <p:cNvPr id="5" name="Content Placeholder 4" descr="heatmap.png"/>
+          <p:cNvPicPr>
+            <a:picLocks noGrp="1" noChangeAspect="1"/>
+          </p:cNvPicPr>
           <p:nvPr>
             <p:ph idx="1"/>
           </p:nvPr>
-        </p:nvSpPr>
-        <p:spPr/>
-        <p:txBody>
-          <a:bodyPr/>
-          <a:lstStyle/>
-          <a:p>
-            <a:endParaRPr lang="en-US"/>
-          </a:p>
-        </p:txBody>
-      </p:sp>
+        </p:nvPicPr>
+        <p:blipFill rotWithShape="1">
+          <a:blip r:embed="rId3">
+            <a:extLst>
+              <a:ext uri="{28A0092B-C50C-407E-A947-70E740481C1C}">
+                <a14:useLocalDpi xmlns:a14="http://schemas.microsoft.com/office/drawing/2010/main" val="0"/>
+              </a:ext>
+            </a:extLst>
+          </a:blip>
+          <a:srcRect t="10003" r="11313" b="10003"/>
+          <a:stretch/>
+        </p:blipFill>
+        <p:spPr>
+          <a:xfrm>
+            <a:off x="4223903" y="2471227"/>
+            <a:ext cx="4658593" cy="3719454"/>
+          </a:xfrm>
+        </p:spPr>
+      </p:pic>
       <p:sp>
         <p:nvSpPr>
           <p:cNvPr id="4" name="Slide Number Placeholder 3"/>
@@ -5201,10 +5356,78 @@
           </a:p>
         </p:txBody>
       </p:sp>
+      <p:pic>
+        <p:nvPicPr>
+          <p:cNvPr id="6" name="Picture 5" descr="grid_fig.png"/>
+          <p:cNvPicPr>
+            <a:picLocks noChangeAspect="1"/>
+          </p:cNvPicPr>
+          <p:nvPr/>
+        </p:nvPicPr>
+        <p:blipFill>
+          <a:blip r:embed="rId4">
+            <a:extLst>
+              <a:ext uri="{28A0092B-C50C-407E-A947-70E740481C1C}">
+                <a14:useLocalDpi xmlns:a14="http://schemas.microsoft.com/office/drawing/2010/main" val="0"/>
+              </a:ext>
+            </a:extLst>
+          </a:blip>
+          <a:stretch>
+            <a:fillRect/>
+          </a:stretch>
+        </p:blipFill>
+        <p:spPr>
+          <a:xfrm>
+            <a:off x="124243" y="2314033"/>
+            <a:ext cx="4042317" cy="4042317"/>
+          </a:xfrm>
+          <a:prstGeom prst="rect">
+            <a:avLst/>
+          </a:prstGeom>
+        </p:spPr>
+      </p:pic>
+      <p:sp>
+        <p:nvSpPr>
+          <p:cNvPr id="7" name="TextBox 6"/>
+          <p:cNvSpPr txBox="1"/>
+          <p:nvPr/>
+        </p:nvSpPr>
+        <p:spPr>
+          <a:xfrm>
+            <a:off x="457200" y="1403833"/>
+            <a:ext cx="8115624" cy="646331"/>
+          </a:xfrm>
+          <a:prstGeom prst="rect">
+            <a:avLst/>
+          </a:prstGeom>
+          <a:noFill/>
+        </p:spPr>
+        <p:txBody>
+          <a:bodyPr wrap="square" rtlCol="0">
+            <a:spAutoFit/>
+          </a:bodyPr>
+          <a:lstStyle/>
+          <a:p>
+            <a:r>
+              <a:rPr lang="en-US" dirty="0" smtClean="0"/>
+              <a:t>Began with a single sample and the surrounding grid of </a:t>
+            </a:r>
+            <a:r>
+              <a:rPr lang="en-US" dirty="0" err="1" smtClean="0"/>
+              <a:t>Mesonet</a:t>
+            </a:r>
+            <a:r>
+              <a:rPr lang="en-US" dirty="0" smtClean="0"/>
+              <a:t> points to examine variable correlations.</a:t>
+            </a:r>
+            <a:endParaRPr lang="en-US" dirty="0"/>
+          </a:p>
+        </p:txBody>
+      </p:sp>
     </p:spTree>
     <p:extLst>
       <p:ext uri="{BB962C8B-B14F-4D97-AF65-F5344CB8AC3E}">
-        <p14:creationId xmlns:p14="http://schemas.microsoft.com/office/powerpoint/2010/main" val="2792489647"/>
+        <p14:creationId xmlns:p14="http://schemas.microsoft.com/office/powerpoint/2010/main" val="2097312338"/>
       </p:ext>
     </p:extLst>
   </p:cSld>
